--- a/docs/合并版报告.pptx
+++ b/docs/合并版报告.pptx
@@ -75,7 +75,7 @@
       <p:boldItalic r:id="rId60"/>
     </p:embeddedFont>
     <p:embeddedFont>
-      <p:font typeface="Franklin Gothic Book" panose="020B0503020102020204" pitchFamily="34" charset="0"/>
+      <p:font typeface="Candara Light" panose="020E0502030303020204" pitchFamily="34" charset="0"/>
       <p:regular r:id="rId61"/>
       <p:italic r:id="rId62"/>
     </p:embeddedFont>
@@ -84,13 +84,13 @@
       <p:regular r:id="rId63"/>
     </p:embeddedFont>
     <p:embeddedFont>
-      <p:font typeface="华文楷体" panose="02010600040101010101" pitchFamily="2" charset="-122"/>
+      <p:font typeface="Franklin Gothic Book" panose="020B0503020102020204" pitchFamily="34" charset="0"/>
       <p:regular r:id="rId64"/>
+      <p:italic r:id="rId65"/>
     </p:embeddedFont>
     <p:embeddedFont>
-      <p:font typeface="Candara Light" panose="020E0502030303020204" pitchFamily="34" charset="0"/>
-      <p:regular r:id="rId65"/>
-      <p:italic r:id="rId66"/>
+      <p:font typeface="华文楷体" panose="02010600040101010101" pitchFamily="2" charset="-122"/>
+      <p:regular r:id="rId66"/>
     </p:embeddedFont>
     <p:embeddedFont>
       <p:font typeface="Algerian" panose="04020705040A02060702" pitchFamily="82" charset="0"/>
@@ -3924,11 +3924,7 @@
           <a:p>
             <a:r>
               <a:rPr lang="zh-CN" altLang="en-US" dirty="0" smtClean="0"/>
-              <a:t>报告人：许博</a:t>
-            </a:r>
-            <a:r>
-              <a:rPr lang="zh-CN" altLang="en-US" dirty="0" smtClean="0"/>
-              <a:t>、欧琳琳</a:t>
+              <a:t>报告人：许博、欧琳琳</a:t>
             </a:r>
             <a:endParaRPr lang="zh-CN" altLang="en-US" dirty="0"/>
           </a:p>
@@ -9798,11 +9794,7 @@
           <a:p>
             <a:r>
               <a:rPr lang="zh-CN" altLang="en-US" dirty="0" smtClean="0"/>
-              <a:t>报告人</a:t>
-            </a:r>
-            <a:r>
-              <a:rPr lang="zh-CN" altLang="en-US" dirty="0" smtClean="0"/>
-              <a:t>：欧琳琳</a:t>
+              <a:t>报告人：欧琳琳</a:t>
             </a:r>
             <a:endParaRPr lang="zh-CN" altLang="en-US" dirty="0"/>
           </a:p>
@@ -12694,8 +12686,8 @@
         </p:blipFill>
         <p:spPr bwMode="auto">
           <a:xfrm>
-            <a:off x="3777699" y="2286000"/>
-            <a:ext cx="4789001" cy="3581400"/>
+            <a:off x="3200147" y="1814253"/>
+            <a:ext cx="5944105" cy="4445231"/>
           </a:xfrm>
           <a:prstGeom prst="rect">
             <a:avLst/>
@@ -12814,8 +12806,8 @@
         </p:blipFill>
         <p:spPr bwMode="auto">
           <a:xfrm>
-            <a:off x="4398462" y="2286000"/>
-            <a:ext cx="3547476" cy="3581400"/>
+            <a:off x="3595511" y="1519758"/>
+            <a:ext cx="5153377" cy="5202658"/>
           </a:xfrm>
           <a:prstGeom prst="rect">
             <a:avLst/>
@@ -13303,7 +13295,7 @@
           <a:graphicData uri="http://schemas.openxmlformats.org/presentationml/2006/ole">
             <mc:AlternateContent xmlns:mc="http://schemas.openxmlformats.org/markup-compatibility/2006">
               <mc:Choice xmlns:v="urn:schemas-microsoft-com:vml" Requires="v">
-                <p:oleObj spid="_x0000_s1029" r:id="rId3" imgW="4089400" imgH="889000" progId="Equation.KSEE3">
+                <p:oleObj spid="_x0000_s1030" r:id="rId3" imgW="4089400" imgH="889000" progId="Equation.KSEE3">
                   <p:embed/>
                 </p:oleObj>
               </mc:Choice>
